--- a/git_images.pptx
+++ b/git_images.pptx
@@ -3914,10 +3914,10 @@
       </p:sp>
       <p:sp>
         <p:nvSpPr>
-          <p:cNvPr id="14" name="テキスト ボックス 13">
-            <a:extLst>
-              <a:ext uri="{FF2B5EF4-FFF2-40B4-BE49-F238E27FC236}">
-                <a16:creationId xmlns:a16="http://schemas.microsoft.com/office/drawing/2014/main" id="{EDC118CD-03E4-D93C-337D-777112049A62}"/>
+          <p:cNvPr id="20" name="テキスト ボックス 19">
+            <a:extLst>
+              <a:ext uri="{FF2B5EF4-FFF2-40B4-BE49-F238E27FC236}">
+                <a16:creationId xmlns:a16="http://schemas.microsoft.com/office/drawing/2014/main" id="{B7A7F98C-8BC6-5D87-4F99-946316394396}"/>
               </a:ext>
             </a:extLst>
           </p:cNvPr>
@@ -3926,8 +3926,8 @@
         </p:nvSpPr>
         <p:spPr>
           <a:xfrm>
-            <a:off x="3603010" y="3751650"/>
-            <a:ext cx="873957" cy="369332"/>
+            <a:off x="3603010" y="1631105"/>
+            <a:ext cx="1308371" cy="369332"/>
           </a:xfrm>
           <a:prstGeom prst="rect">
             <a:avLst/>
@@ -3942,132 +3942,54 @@
           <a:p>
             <a:r>
               <a:rPr kumimoji="1" lang="en-US" altLang="ja-JP" dirty="0"/>
-              <a:t>git diff</a:t>
+              <a:t>git commit</a:t>
             </a:r>
             <a:endParaRPr kumimoji="1" lang="ja-JP" altLang="en-US"/>
           </a:p>
         </p:txBody>
       </p:sp>
-      <p:cxnSp>
-        <p:nvCxnSpPr>
-          <p:cNvPr id="16" name="直線矢印コネクタ 15">
-            <a:extLst>
-              <a:ext uri="{FF2B5EF4-FFF2-40B4-BE49-F238E27FC236}">
-                <a16:creationId xmlns:a16="http://schemas.microsoft.com/office/drawing/2014/main" id="{F52C1458-C781-946D-259E-3FA5F052E333}"/>
-              </a:ext>
-            </a:extLst>
-          </p:cNvPr>
-          <p:cNvCxnSpPr>
-            <a:cxnSpLocks/>
-          </p:cNvCxnSpPr>
+      <p:sp>
+        <p:nvSpPr>
+          <p:cNvPr id="21" name="上矢印 20">
+            <a:extLst>
+              <a:ext uri="{FF2B5EF4-FFF2-40B4-BE49-F238E27FC236}">
+                <a16:creationId xmlns:a16="http://schemas.microsoft.com/office/drawing/2014/main" id="{F0C3F8C2-AF38-4B31-2D7B-F4B30A34078F}"/>
+              </a:ext>
+            </a:extLst>
+          </p:cNvPr>
+          <p:cNvSpPr/>
           <p:nvPr/>
-        </p:nvCxnSpPr>
+        </p:nvSpPr>
         <p:spPr>
           <a:xfrm>
-            <a:off x="3130062" y="3602341"/>
-            <a:ext cx="0" cy="667950"/>
+            <a:off x="2790092" y="1486872"/>
+            <a:ext cx="484632" cy="657797"/>
           </a:xfrm>
-          <a:prstGeom prst="straightConnector1">
+          <a:prstGeom prst="upArrow">
             <a:avLst/>
           </a:prstGeom>
-          <a:ln>
-            <a:headEnd type="triangle"/>
-            <a:tailEnd type="triangle"/>
-          </a:ln>
         </p:spPr>
         <p:style>
           <a:lnRef idx="2">
-            <a:schemeClr val="accent1"/>
+            <a:schemeClr val="accent1">
+              <a:shade val="15000"/>
+            </a:schemeClr>
           </a:lnRef>
-          <a:fillRef idx="0">
+          <a:fillRef idx="1">
             <a:schemeClr val="accent1"/>
           </a:fillRef>
-          <a:effectRef idx="1">
+          <a:effectRef idx="0">
             <a:schemeClr val="accent1"/>
           </a:effectRef>
           <a:fontRef idx="minor">
-            <a:schemeClr val="tx1"/>
+            <a:schemeClr val="lt1"/>
           </a:fontRef>
         </p:style>
-      </p:cxnSp>
-      <p:cxnSp>
-        <p:nvCxnSpPr>
-          <p:cNvPr id="19" name="直線矢印コネクタ 18">
-            <a:extLst>
-              <a:ext uri="{FF2B5EF4-FFF2-40B4-BE49-F238E27FC236}">
-                <a16:creationId xmlns:a16="http://schemas.microsoft.com/office/drawing/2014/main" id="{3E277F81-9E0F-F5F5-5A26-80F94386F484}"/>
-              </a:ext>
-            </a:extLst>
-          </p:cNvPr>
-          <p:cNvCxnSpPr>
-            <a:cxnSpLocks/>
-          </p:cNvCxnSpPr>
-          <p:nvPr/>
-        </p:nvCxnSpPr>
-        <p:spPr>
-          <a:xfrm>
-            <a:off x="3130062" y="1482910"/>
-            <a:ext cx="0" cy="667950"/>
-          </a:xfrm>
-          <a:prstGeom prst="straightConnector1">
-            <a:avLst/>
-          </a:prstGeom>
-          <a:ln>
-            <a:headEnd type="triangle"/>
-            <a:tailEnd type="triangle"/>
-          </a:ln>
-        </p:spPr>
-        <p:style>
-          <a:lnRef idx="2">
-            <a:schemeClr val="accent1"/>
-          </a:lnRef>
-          <a:fillRef idx="0">
-            <a:schemeClr val="accent1"/>
-          </a:fillRef>
-          <a:effectRef idx="1">
-            <a:schemeClr val="accent1"/>
-          </a:effectRef>
-          <a:fontRef idx="minor">
-            <a:schemeClr val="tx1"/>
-          </a:fontRef>
-        </p:style>
-      </p:cxnSp>
-      <p:sp>
-        <p:nvSpPr>
-          <p:cNvPr id="20" name="テキスト ボックス 19">
-            <a:extLst>
-              <a:ext uri="{FF2B5EF4-FFF2-40B4-BE49-F238E27FC236}">
-                <a16:creationId xmlns:a16="http://schemas.microsoft.com/office/drawing/2014/main" id="{B7A7F98C-8BC6-5D87-4F99-946316394396}"/>
-              </a:ext>
-            </a:extLst>
-          </p:cNvPr>
-          <p:cNvSpPr txBox="1"/>
-          <p:nvPr/>
-        </p:nvSpPr>
-        <p:spPr>
-          <a:xfrm>
-            <a:off x="3603010" y="1631105"/>
-            <a:ext cx="2037737" cy="369332"/>
-          </a:xfrm>
-          <a:prstGeom prst="rect">
-            <a:avLst/>
-          </a:prstGeom>
-          <a:noFill/>
-        </p:spPr>
-        <p:txBody>
-          <a:bodyPr wrap="none" rtlCol="0">
-            <a:spAutoFit/>
-          </a:bodyPr>
-          <a:lstStyle/>
-          <a:p>
-            <a:r>
-              <a:rPr kumimoji="1" lang="en-US" altLang="ja-JP" dirty="0"/>
-              <a:t>git diff --</a:t>
-            </a:r>
-            <a:r>
-              <a:rPr kumimoji="1" lang="en-US" altLang="ja-JP" dirty="0" err="1"/>
-              <a:t>chached</a:t>
-            </a:r>
+        <p:txBody>
+          <a:bodyPr rtlCol="0" anchor="ctr"/>
+          <a:lstStyle/>
+          <a:p>
+            <a:pPr algn="ctr"/>
             <a:endParaRPr kumimoji="1" lang="ja-JP" altLang="en-US"/>
           </a:p>
         </p:txBody>

--- a/git_images.pptx
+++ b/git_images.pptx
@@ -3623,7 +3623,7 @@
         </p:nvSpPr>
         <p:spPr>
           <a:xfrm>
-            <a:off x="1195754" y="4384432"/>
+            <a:off x="3751385" y="4454770"/>
             <a:ext cx="2309447" cy="996461"/>
           </a:xfrm>
           <a:prstGeom prst="rect">
@@ -3690,7 +3690,7 @@
         </p:nvSpPr>
         <p:spPr>
           <a:xfrm>
-            <a:off x="3603010" y="4697996"/>
+            <a:off x="6158641" y="4768334"/>
             <a:ext cx="2492990" cy="369332"/>
           </a:xfrm>
           <a:prstGeom prst="rect">
@@ -3725,7 +3725,7 @@
         </p:nvSpPr>
         <p:spPr>
           <a:xfrm>
-            <a:off x="1111682" y="2274276"/>
+            <a:off x="3667313" y="2344614"/>
             <a:ext cx="2309448" cy="1154724"/>
           </a:xfrm>
           <a:prstGeom prst="roundRect">
@@ -3788,7 +3788,7 @@
         </p:nvSpPr>
         <p:spPr>
           <a:xfrm>
-            <a:off x="3603010" y="2666972"/>
+            <a:off x="6158641" y="2737310"/>
             <a:ext cx="4108817" cy="369332"/>
           </a:xfrm>
           <a:prstGeom prst="rect">
@@ -3824,7 +3824,7 @@
         </p:nvSpPr>
         <p:spPr>
           <a:xfrm>
-            <a:off x="885092" y="410247"/>
+            <a:off x="3440723" y="480585"/>
             <a:ext cx="2924908" cy="1072663"/>
           </a:xfrm>
           <a:prstGeom prst="ellipse">
@@ -3891,7 +3891,7 @@
         </p:nvSpPr>
         <p:spPr>
           <a:xfrm>
-            <a:off x="3810000" y="820614"/>
+            <a:off x="6365631" y="890952"/>
             <a:ext cx="3416320" cy="369332"/>
           </a:xfrm>
           <a:prstGeom prst="rect">
@@ -3926,8 +3926,8 @@
         </p:nvSpPr>
         <p:spPr>
           <a:xfrm>
-            <a:off x="3603010" y="1631105"/>
-            <a:ext cx="1308371" cy="369332"/>
+            <a:off x="6158641" y="3780777"/>
+            <a:ext cx="1058303" cy="369332"/>
           </a:xfrm>
           <a:prstGeom prst="rect">
             <a:avLst/>
@@ -3942,7 +3942,7 @@
           <a:p>
             <a:r>
               <a:rPr kumimoji="1" lang="en-US" altLang="ja-JP" dirty="0"/>
-              <a:t>git commit</a:t>
+              <a:t>git reset</a:t>
             </a:r>
             <a:endParaRPr kumimoji="1" lang="ja-JP" altLang="en-US"/>
           </a:p>
@@ -3961,8 +3961,8 @@
           <p:nvPr/>
         </p:nvSpPr>
         <p:spPr>
-          <a:xfrm>
-            <a:off x="2790092" y="1486872"/>
+          <a:xfrm rot="10800000">
+            <a:off x="5345723" y="3636544"/>
             <a:ext cx="484632" cy="657797"/>
           </a:xfrm>
           <a:prstGeom prst="upArrow">
@@ -3990,6 +3990,92 @@
           <a:lstStyle/>
           <a:p>
             <a:pPr algn="ctr"/>
+            <a:endParaRPr kumimoji="1" lang="ja-JP" altLang="en-US"/>
+          </a:p>
+        </p:txBody>
+      </p:sp>
+      <p:sp>
+        <p:nvSpPr>
+          <p:cNvPr id="22" name="右カーブ矢印 21">
+            <a:extLst>
+              <a:ext uri="{FF2B5EF4-FFF2-40B4-BE49-F238E27FC236}">
+                <a16:creationId xmlns:a16="http://schemas.microsoft.com/office/drawing/2014/main" id="{F0975C8F-F3A8-6E95-A1EB-B35122481B96}"/>
+              </a:ext>
+            </a:extLst>
+          </p:cNvPr>
+          <p:cNvSpPr/>
+          <p:nvPr/>
+        </p:nvSpPr>
+        <p:spPr>
+          <a:xfrm>
+            <a:off x="2753913" y="1340854"/>
+            <a:ext cx="731520" cy="3254591"/>
+          </a:xfrm>
+          <a:prstGeom prst="curvedRightArrow">
+            <a:avLst/>
+          </a:prstGeom>
+        </p:spPr>
+        <p:style>
+          <a:lnRef idx="2">
+            <a:schemeClr val="accent1">
+              <a:shade val="15000"/>
+            </a:schemeClr>
+          </a:lnRef>
+          <a:fillRef idx="1">
+            <a:schemeClr val="accent1"/>
+          </a:fillRef>
+          <a:effectRef idx="0">
+            <a:schemeClr val="accent1"/>
+          </a:effectRef>
+          <a:fontRef idx="minor">
+            <a:schemeClr val="lt1"/>
+          </a:fontRef>
+        </p:style>
+        <p:txBody>
+          <a:bodyPr rtlCol="0" anchor="ctr"/>
+          <a:lstStyle/>
+          <a:p>
+            <a:pPr algn="ctr"/>
+            <a:endParaRPr kumimoji="1" lang="ja-JP" altLang="en-US">
+              <a:solidFill>
+                <a:schemeClr val="tx1"/>
+              </a:solidFill>
+            </a:endParaRPr>
+          </a:p>
+        </p:txBody>
+      </p:sp>
+      <p:sp>
+        <p:nvSpPr>
+          <p:cNvPr id="23" name="テキスト ボックス 22">
+            <a:extLst>
+              <a:ext uri="{FF2B5EF4-FFF2-40B4-BE49-F238E27FC236}">
+                <a16:creationId xmlns:a16="http://schemas.microsoft.com/office/drawing/2014/main" id="{9DE1EA31-17E9-B118-45E9-1EFB695FF626}"/>
+              </a:ext>
+            </a:extLst>
+          </p:cNvPr>
+          <p:cNvSpPr txBox="1"/>
+          <p:nvPr/>
+        </p:nvSpPr>
+        <p:spPr>
+          <a:xfrm>
+            <a:off x="1084125" y="2783483"/>
+            <a:ext cx="1487908" cy="369332"/>
+          </a:xfrm>
+          <a:prstGeom prst="rect">
+            <a:avLst/>
+          </a:prstGeom>
+          <a:noFill/>
+        </p:spPr>
+        <p:txBody>
+          <a:bodyPr wrap="none" rtlCol="0">
+            <a:spAutoFit/>
+          </a:bodyPr>
+          <a:lstStyle/>
+          <a:p>
+            <a:r>
+              <a:rPr kumimoji="1" lang="en-US" altLang="ja-JP" dirty="0"/>
+              <a:t>git checkout</a:t>
+            </a:r>
             <a:endParaRPr kumimoji="1" lang="ja-JP" altLang="en-US"/>
           </a:p>
         </p:txBody>

--- a/git_images.pptx
+++ b/git_images.pptx
@@ -6,6 +6,7 @@
   </p:sldMasterIdLst>
   <p:sldIdLst>
     <p:sldId id="256" r:id="rId2"/>
+    <p:sldId id="257" r:id="rId3"/>
   </p:sldIdLst>
   <p:sldSz cx="12192000" cy="6858000"/>
   <p:notesSz cx="6858000" cy="9144000"/>
@@ -104,6 +105,11 @@
       </a:defRPr>
     </a:lvl9pPr>
   </p:defaultTextStyle>
+  <p:extLst>
+    <p:ext uri="{EFAFB233-063F-42B5-8137-9DF3F51BA10A}">
+      <p15:sldGuideLst xmlns:p15="http://schemas.microsoft.com/office/powerpoint/2012/main"/>
+    </p:ext>
+  </p:extLst>
 </p:presentation>
 </file>
 
@@ -254,7 +260,7 @@
           <a:p>
             <a:fld id="{90117056-7F58-9A4C-940A-6AB7D806A4FD}" type="datetimeFigureOut">
               <a:rPr kumimoji="1" lang="ja-JP" altLang="en-US" smtClean="0"/>
-              <a:t>2024/8/9</a:t>
+              <a:t>2024/8/10</a:t>
             </a:fld>
             <a:endParaRPr kumimoji="1" lang="ja-JP" altLang="en-US"/>
           </a:p>
@@ -484,7 +490,7 @@
           <a:p>
             <a:fld id="{90117056-7F58-9A4C-940A-6AB7D806A4FD}" type="datetimeFigureOut">
               <a:rPr kumimoji="1" lang="ja-JP" altLang="en-US" smtClean="0"/>
-              <a:t>2024/8/9</a:t>
+              <a:t>2024/8/10</a:t>
             </a:fld>
             <a:endParaRPr kumimoji="1" lang="ja-JP" altLang="en-US"/>
           </a:p>
@@ -724,7 +730,7 @@
           <a:p>
             <a:fld id="{90117056-7F58-9A4C-940A-6AB7D806A4FD}" type="datetimeFigureOut">
               <a:rPr kumimoji="1" lang="ja-JP" altLang="en-US" smtClean="0"/>
-              <a:t>2024/8/9</a:t>
+              <a:t>2024/8/10</a:t>
             </a:fld>
             <a:endParaRPr kumimoji="1" lang="ja-JP" altLang="en-US"/>
           </a:p>
@@ -954,7 +960,7 @@
           <a:p>
             <a:fld id="{90117056-7F58-9A4C-940A-6AB7D806A4FD}" type="datetimeFigureOut">
               <a:rPr kumimoji="1" lang="ja-JP" altLang="en-US" smtClean="0"/>
-              <a:t>2024/8/9</a:t>
+              <a:t>2024/8/10</a:t>
             </a:fld>
             <a:endParaRPr kumimoji="1" lang="ja-JP" altLang="en-US"/>
           </a:p>
@@ -1229,7 +1235,7 @@
           <a:p>
             <a:fld id="{90117056-7F58-9A4C-940A-6AB7D806A4FD}" type="datetimeFigureOut">
               <a:rPr kumimoji="1" lang="ja-JP" altLang="en-US" smtClean="0"/>
-              <a:t>2024/8/9</a:t>
+              <a:t>2024/8/10</a:t>
             </a:fld>
             <a:endParaRPr kumimoji="1" lang="ja-JP" altLang="en-US"/>
           </a:p>
@@ -1558,7 +1564,7 @@
           <a:p>
             <a:fld id="{90117056-7F58-9A4C-940A-6AB7D806A4FD}" type="datetimeFigureOut">
               <a:rPr kumimoji="1" lang="ja-JP" altLang="en-US" smtClean="0"/>
-              <a:t>2024/8/9</a:t>
+              <a:t>2024/8/10</a:t>
             </a:fld>
             <a:endParaRPr kumimoji="1" lang="ja-JP" altLang="en-US"/>
           </a:p>
@@ -2034,7 +2040,7 @@
           <a:p>
             <a:fld id="{90117056-7F58-9A4C-940A-6AB7D806A4FD}" type="datetimeFigureOut">
               <a:rPr kumimoji="1" lang="ja-JP" altLang="en-US" smtClean="0"/>
-              <a:t>2024/8/9</a:t>
+              <a:t>2024/8/10</a:t>
             </a:fld>
             <a:endParaRPr kumimoji="1" lang="ja-JP" altLang="en-US"/>
           </a:p>
@@ -2175,7 +2181,7 @@
           <a:p>
             <a:fld id="{90117056-7F58-9A4C-940A-6AB7D806A4FD}" type="datetimeFigureOut">
               <a:rPr kumimoji="1" lang="ja-JP" altLang="en-US" smtClean="0"/>
-              <a:t>2024/8/9</a:t>
+              <a:t>2024/8/10</a:t>
             </a:fld>
             <a:endParaRPr kumimoji="1" lang="ja-JP" altLang="en-US"/>
           </a:p>
@@ -2288,7 +2294,7 @@
           <a:p>
             <a:fld id="{90117056-7F58-9A4C-940A-6AB7D806A4FD}" type="datetimeFigureOut">
               <a:rPr kumimoji="1" lang="ja-JP" altLang="en-US" smtClean="0"/>
-              <a:t>2024/8/9</a:t>
+              <a:t>2024/8/10</a:t>
             </a:fld>
             <a:endParaRPr kumimoji="1" lang="ja-JP" altLang="en-US"/>
           </a:p>
@@ -2631,7 +2637,7 @@
           <a:p>
             <a:fld id="{90117056-7F58-9A4C-940A-6AB7D806A4FD}" type="datetimeFigureOut">
               <a:rPr kumimoji="1" lang="ja-JP" altLang="en-US" smtClean="0"/>
-              <a:t>2024/8/9</a:t>
+              <a:t>2024/8/10</a:t>
             </a:fld>
             <a:endParaRPr kumimoji="1" lang="ja-JP" altLang="en-US"/>
           </a:p>
@@ -2919,7 +2925,7 @@
           <a:p>
             <a:fld id="{90117056-7F58-9A4C-940A-6AB7D806A4FD}" type="datetimeFigureOut">
               <a:rPr kumimoji="1" lang="ja-JP" altLang="en-US" smtClean="0"/>
-              <a:t>2024/8/9</a:t>
+              <a:t>2024/8/10</a:t>
             </a:fld>
             <a:endParaRPr kumimoji="1" lang="ja-JP" altLang="en-US"/>
           </a:p>
@@ -3192,7 +3198,7 @@
           <a:p>
             <a:fld id="{90117056-7F58-9A4C-940A-6AB7D806A4FD}" type="datetimeFigureOut">
               <a:rPr kumimoji="1" lang="ja-JP" altLang="en-US" smtClean="0"/>
-              <a:t>2024/8/9</a:t>
+              <a:t>2024/8/10</a:t>
             </a:fld>
             <a:endParaRPr kumimoji="1" lang="ja-JP" altLang="en-US"/>
           </a:p>
@@ -4084,6 +4090,1017 @@
     <p:extLst>
       <p:ext uri="{BB962C8B-B14F-4D97-AF65-F5344CB8AC3E}">
         <p14:creationId xmlns:p14="http://schemas.microsoft.com/office/powerpoint/2010/main" val="1431839780"/>
+      </p:ext>
+    </p:extLst>
+  </p:cSld>
+  <p:clrMapOvr>
+    <a:masterClrMapping/>
+  </p:clrMapOvr>
+</p:sld>
+</file>
+
+<file path=ppt/slides/slide2.xml><?xml version="1.0" encoding="utf-8"?>
+<p:sld xmlns:a="http://schemas.openxmlformats.org/drawingml/2006/main" xmlns:r="http://schemas.openxmlformats.org/officeDocument/2006/relationships" xmlns:p="http://schemas.openxmlformats.org/presentationml/2006/main">
+  <p:cSld>
+    <p:spTree>
+      <p:nvGrpSpPr>
+        <p:cNvPr id="1" name=""/>
+        <p:cNvGrpSpPr/>
+        <p:nvPr/>
+      </p:nvGrpSpPr>
+      <p:grpSpPr>
+        <a:xfrm>
+          <a:off x="0" y="0"/>
+          <a:ext cx="0" cy="0"/>
+          <a:chOff x="0" y="0"/>
+          <a:chExt cx="0" cy="0"/>
+        </a:xfrm>
+      </p:grpSpPr>
+      <p:sp>
+        <p:nvSpPr>
+          <p:cNvPr id="4" name="円/楕円 3">
+            <a:extLst>
+              <a:ext uri="{FF2B5EF4-FFF2-40B4-BE49-F238E27FC236}">
+                <a16:creationId xmlns:a16="http://schemas.microsoft.com/office/drawing/2014/main" id="{3170B7D5-53DD-5973-8011-AB4F7D65E360}"/>
+              </a:ext>
+            </a:extLst>
+          </p:cNvPr>
+          <p:cNvSpPr>
+            <a:spLocks noChangeAspect="1"/>
+          </p:cNvSpPr>
+          <p:nvPr/>
+        </p:nvSpPr>
+        <p:spPr>
+          <a:xfrm>
+            <a:off x="1114255" y="1723292"/>
+            <a:ext cx="621323" cy="621323"/>
+          </a:xfrm>
+          <a:prstGeom prst="ellipse">
+            <a:avLst/>
+          </a:prstGeom>
+          <a:solidFill>
+            <a:schemeClr val="accent4">
+              <a:lumMod val="40000"/>
+              <a:lumOff val="60000"/>
+            </a:schemeClr>
+          </a:solidFill>
+          <a:ln>
+            <a:solidFill>
+              <a:schemeClr val="tx1"/>
+            </a:solidFill>
+          </a:ln>
+        </p:spPr>
+        <p:style>
+          <a:lnRef idx="2">
+            <a:schemeClr val="accent1">
+              <a:shade val="15000"/>
+            </a:schemeClr>
+          </a:lnRef>
+          <a:fillRef idx="1">
+            <a:schemeClr val="accent1"/>
+          </a:fillRef>
+          <a:effectRef idx="0">
+            <a:schemeClr val="accent1"/>
+          </a:effectRef>
+          <a:fontRef idx="minor">
+            <a:schemeClr val="lt1"/>
+          </a:fontRef>
+        </p:style>
+        <p:txBody>
+          <a:bodyPr rtlCol="0" anchor="ctr"/>
+          <a:lstStyle/>
+          <a:p>
+            <a:pPr algn="ctr"/>
+            <a:endParaRPr kumimoji="1" lang="ja-JP" altLang="en-US"/>
+          </a:p>
+        </p:txBody>
+      </p:sp>
+      <p:sp>
+        <p:nvSpPr>
+          <p:cNvPr id="5" name="テキスト ボックス 4">
+            <a:extLst>
+              <a:ext uri="{FF2B5EF4-FFF2-40B4-BE49-F238E27FC236}">
+                <a16:creationId xmlns:a16="http://schemas.microsoft.com/office/drawing/2014/main" id="{266C633C-812E-F404-518E-F19A1A631E8D}"/>
+              </a:ext>
+            </a:extLst>
+          </p:cNvPr>
+          <p:cNvSpPr txBox="1"/>
+          <p:nvPr/>
+        </p:nvSpPr>
+        <p:spPr>
+          <a:xfrm>
+            <a:off x="1064881" y="1353960"/>
+            <a:ext cx="720069" cy="369332"/>
+          </a:xfrm>
+          <a:prstGeom prst="rect">
+            <a:avLst/>
+          </a:prstGeom>
+          <a:noFill/>
+        </p:spPr>
+        <p:txBody>
+          <a:bodyPr wrap="none" rtlCol="0">
+            <a:spAutoFit/>
+          </a:bodyPr>
+          <a:lstStyle/>
+          <a:p>
+            <a:r>
+              <a:rPr kumimoji="1" lang="en-US" altLang="ja-JP" dirty="0"/>
+              <a:t>main</a:t>
+            </a:r>
+          </a:p>
+        </p:txBody>
+      </p:sp>
+      <p:sp>
+        <p:nvSpPr>
+          <p:cNvPr id="6" name="円/楕円 5">
+            <a:extLst>
+              <a:ext uri="{FF2B5EF4-FFF2-40B4-BE49-F238E27FC236}">
+                <a16:creationId xmlns:a16="http://schemas.microsoft.com/office/drawing/2014/main" id="{9B1BB693-292E-FC20-517B-5A9BC078A2C0}"/>
+              </a:ext>
+            </a:extLst>
+          </p:cNvPr>
+          <p:cNvSpPr>
+            <a:spLocks noChangeAspect="1"/>
+          </p:cNvSpPr>
+          <p:nvPr/>
+        </p:nvSpPr>
+        <p:spPr>
+          <a:xfrm>
+            <a:off x="2195257" y="2713947"/>
+            <a:ext cx="621323" cy="621323"/>
+          </a:xfrm>
+          <a:prstGeom prst="ellipse">
+            <a:avLst/>
+          </a:prstGeom>
+          <a:solidFill>
+            <a:schemeClr val="accent6">
+              <a:lumMod val="40000"/>
+              <a:lumOff val="60000"/>
+            </a:schemeClr>
+          </a:solidFill>
+          <a:ln>
+            <a:solidFill>
+              <a:schemeClr val="tx1"/>
+            </a:solidFill>
+          </a:ln>
+        </p:spPr>
+        <p:style>
+          <a:lnRef idx="2">
+            <a:schemeClr val="accent1">
+              <a:shade val="15000"/>
+            </a:schemeClr>
+          </a:lnRef>
+          <a:fillRef idx="1">
+            <a:schemeClr val="accent1"/>
+          </a:fillRef>
+          <a:effectRef idx="0">
+            <a:schemeClr val="accent1"/>
+          </a:effectRef>
+          <a:fontRef idx="minor">
+            <a:schemeClr val="lt1"/>
+          </a:fontRef>
+        </p:style>
+        <p:txBody>
+          <a:bodyPr rtlCol="0" anchor="ctr"/>
+          <a:lstStyle/>
+          <a:p>
+            <a:pPr algn="ctr"/>
+            <a:endParaRPr kumimoji="1" lang="ja-JP" altLang="en-US"/>
+          </a:p>
+        </p:txBody>
+      </p:sp>
+      <p:sp>
+        <p:nvSpPr>
+          <p:cNvPr id="7" name="テキスト ボックス 6">
+            <a:extLst>
+              <a:ext uri="{FF2B5EF4-FFF2-40B4-BE49-F238E27FC236}">
+                <a16:creationId xmlns:a16="http://schemas.microsoft.com/office/drawing/2014/main" id="{EA133AA1-DCCB-EC0B-768F-36A9201E403E}"/>
+              </a:ext>
+            </a:extLst>
+          </p:cNvPr>
+          <p:cNvSpPr txBox="1"/>
+          <p:nvPr/>
+        </p:nvSpPr>
+        <p:spPr>
+          <a:xfrm>
+            <a:off x="1971957" y="2344615"/>
+            <a:ext cx="1067921" cy="369332"/>
+          </a:xfrm>
+          <a:prstGeom prst="rect">
+            <a:avLst/>
+          </a:prstGeom>
+          <a:noFill/>
+        </p:spPr>
+        <p:txBody>
+          <a:bodyPr wrap="none" rtlCol="0">
+            <a:spAutoFit/>
+          </a:bodyPr>
+          <a:lstStyle/>
+          <a:p>
+            <a:r>
+              <a:rPr kumimoji="1" lang="en-US" altLang="ja-JP" dirty="0" err="1"/>
+              <a:t>branchA</a:t>
+            </a:r>
+            <a:endParaRPr kumimoji="1" lang="ja-JP" altLang="en-US"/>
+          </a:p>
+        </p:txBody>
+      </p:sp>
+      <p:sp>
+        <p:nvSpPr>
+          <p:cNvPr id="10" name="円/楕円 9">
+            <a:extLst>
+              <a:ext uri="{FF2B5EF4-FFF2-40B4-BE49-F238E27FC236}">
+                <a16:creationId xmlns:a16="http://schemas.microsoft.com/office/drawing/2014/main" id="{3F2978F7-692F-0278-97DE-69C917CC9523}"/>
+              </a:ext>
+            </a:extLst>
+          </p:cNvPr>
+          <p:cNvSpPr>
+            <a:spLocks noChangeAspect="1"/>
+          </p:cNvSpPr>
+          <p:nvPr/>
+        </p:nvSpPr>
+        <p:spPr>
+          <a:xfrm>
+            <a:off x="3263178" y="3722133"/>
+            <a:ext cx="621323" cy="621323"/>
+          </a:xfrm>
+          <a:prstGeom prst="ellipse">
+            <a:avLst/>
+          </a:prstGeom>
+          <a:solidFill>
+            <a:schemeClr val="accent6">
+              <a:lumMod val="40000"/>
+              <a:lumOff val="60000"/>
+            </a:schemeClr>
+          </a:solidFill>
+          <a:ln>
+            <a:solidFill>
+              <a:schemeClr val="tx1"/>
+            </a:solidFill>
+          </a:ln>
+        </p:spPr>
+        <p:style>
+          <a:lnRef idx="2">
+            <a:schemeClr val="accent1">
+              <a:shade val="15000"/>
+            </a:schemeClr>
+          </a:lnRef>
+          <a:fillRef idx="1">
+            <a:schemeClr val="accent1"/>
+          </a:fillRef>
+          <a:effectRef idx="0">
+            <a:schemeClr val="accent1"/>
+          </a:effectRef>
+          <a:fontRef idx="minor">
+            <a:schemeClr val="lt1"/>
+          </a:fontRef>
+        </p:style>
+        <p:txBody>
+          <a:bodyPr rtlCol="0" anchor="ctr"/>
+          <a:lstStyle/>
+          <a:p>
+            <a:pPr algn="ctr"/>
+            <a:endParaRPr kumimoji="1" lang="ja-JP" altLang="en-US"/>
+          </a:p>
+        </p:txBody>
+      </p:sp>
+      <p:sp>
+        <p:nvSpPr>
+          <p:cNvPr id="11" name="テキスト ボックス 10">
+            <a:extLst>
+              <a:ext uri="{FF2B5EF4-FFF2-40B4-BE49-F238E27FC236}">
+                <a16:creationId xmlns:a16="http://schemas.microsoft.com/office/drawing/2014/main" id="{6677A697-CBD0-892B-8E3D-5B78158A86E7}"/>
+              </a:ext>
+            </a:extLst>
+          </p:cNvPr>
+          <p:cNvSpPr txBox="1"/>
+          <p:nvPr/>
+        </p:nvSpPr>
+        <p:spPr>
+          <a:xfrm>
+            <a:off x="3039878" y="3352801"/>
+            <a:ext cx="1075936" cy="369332"/>
+          </a:xfrm>
+          <a:prstGeom prst="rect">
+            <a:avLst/>
+          </a:prstGeom>
+          <a:noFill/>
+        </p:spPr>
+        <p:txBody>
+          <a:bodyPr wrap="none" rtlCol="0">
+            <a:spAutoFit/>
+          </a:bodyPr>
+          <a:lstStyle/>
+          <a:p>
+            <a:r>
+              <a:rPr kumimoji="1" lang="en-US" altLang="ja-JP" dirty="0" err="1"/>
+              <a:t>branchB</a:t>
+            </a:r>
+            <a:endParaRPr kumimoji="1" lang="ja-JP" altLang="en-US"/>
+          </a:p>
+        </p:txBody>
+      </p:sp>
+      <p:cxnSp>
+        <p:nvCxnSpPr>
+          <p:cNvPr id="13" name="直線矢印コネクタ 12">
+            <a:extLst>
+              <a:ext uri="{FF2B5EF4-FFF2-40B4-BE49-F238E27FC236}">
+                <a16:creationId xmlns:a16="http://schemas.microsoft.com/office/drawing/2014/main" id="{4CA06B23-D299-8ED5-58CE-C94A5AEFB122}"/>
+              </a:ext>
+            </a:extLst>
+          </p:cNvPr>
+          <p:cNvCxnSpPr>
+            <a:cxnSpLocks/>
+          </p:cNvCxnSpPr>
+          <p:nvPr/>
+        </p:nvCxnSpPr>
+        <p:spPr>
+          <a:xfrm>
+            <a:off x="2864032" y="4056185"/>
+            <a:ext cx="410307" cy="0"/>
+          </a:xfrm>
+          <a:prstGeom prst="straightConnector1">
+            <a:avLst/>
+          </a:prstGeom>
+          <a:ln>
+            <a:solidFill>
+              <a:schemeClr val="tx1"/>
+            </a:solidFill>
+            <a:tailEnd type="triangle"/>
+          </a:ln>
+        </p:spPr>
+        <p:style>
+          <a:lnRef idx="2">
+            <a:schemeClr val="accent1"/>
+          </a:lnRef>
+          <a:fillRef idx="0">
+            <a:schemeClr val="accent1"/>
+          </a:fillRef>
+          <a:effectRef idx="1">
+            <a:schemeClr val="accent1"/>
+          </a:effectRef>
+          <a:fontRef idx="minor">
+            <a:schemeClr val="tx1"/>
+          </a:fontRef>
+        </p:style>
+      </p:cxnSp>
+      <p:cxnSp>
+        <p:nvCxnSpPr>
+          <p:cNvPr id="16" name="直線コネクタ 15">
+            <a:extLst>
+              <a:ext uri="{FF2B5EF4-FFF2-40B4-BE49-F238E27FC236}">
+                <a16:creationId xmlns:a16="http://schemas.microsoft.com/office/drawing/2014/main" id="{2CE75378-6FB5-0BE6-C7E8-A0D33C597E1F}"/>
+              </a:ext>
+            </a:extLst>
+          </p:cNvPr>
+          <p:cNvCxnSpPr>
+            <a:cxnSpLocks/>
+          </p:cNvCxnSpPr>
+          <p:nvPr/>
+        </p:nvCxnSpPr>
+        <p:spPr>
+          <a:xfrm>
+            <a:off x="2505917" y="3335270"/>
+            <a:ext cx="358115" cy="720915"/>
+          </a:xfrm>
+          <a:prstGeom prst="line">
+            <a:avLst/>
+          </a:prstGeom>
+          <a:ln>
+            <a:solidFill>
+              <a:schemeClr val="tx1"/>
+            </a:solidFill>
+          </a:ln>
+        </p:spPr>
+        <p:style>
+          <a:lnRef idx="2">
+            <a:schemeClr val="accent1"/>
+          </a:lnRef>
+          <a:fillRef idx="0">
+            <a:schemeClr val="accent1"/>
+          </a:fillRef>
+          <a:effectRef idx="1">
+            <a:schemeClr val="accent1"/>
+          </a:effectRef>
+          <a:fontRef idx="minor">
+            <a:schemeClr val="tx1"/>
+          </a:fontRef>
+        </p:style>
+      </p:cxnSp>
+      <p:cxnSp>
+        <p:nvCxnSpPr>
+          <p:cNvPr id="18" name="直線矢印コネクタ 17">
+            <a:extLst>
+              <a:ext uri="{FF2B5EF4-FFF2-40B4-BE49-F238E27FC236}">
+                <a16:creationId xmlns:a16="http://schemas.microsoft.com/office/drawing/2014/main" id="{11722116-368F-4D63-2E5C-8B6FA7D864F7}"/>
+              </a:ext>
+            </a:extLst>
+          </p:cNvPr>
+          <p:cNvCxnSpPr>
+            <a:cxnSpLocks/>
+          </p:cNvCxnSpPr>
+          <p:nvPr/>
+        </p:nvCxnSpPr>
+        <p:spPr>
+          <a:xfrm>
+            <a:off x="1784950" y="3065530"/>
+            <a:ext cx="410307" cy="0"/>
+          </a:xfrm>
+          <a:prstGeom prst="straightConnector1">
+            <a:avLst/>
+          </a:prstGeom>
+          <a:ln>
+            <a:solidFill>
+              <a:schemeClr val="tx1"/>
+            </a:solidFill>
+            <a:tailEnd type="triangle"/>
+          </a:ln>
+        </p:spPr>
+        <p:style>
+          <a:lnRef idx="2">
+            <a:schemeClr val="accent1"/>
+          </a:lnRef>
+          <a:fillRef idx="0">
+            <a:schemeClr val="accent1"/>
+          </a:fillRef>
+          <a:effectRef idx="1">
+            <a:schemeClr val="accent1"/>
+          </a:effectRef>
+          <a:fontRef idx="minor">
+            <a:schemeClr val="tx1"/>
+          </a:fontRef>
+        </p:style>
+      </p:cxnSp>
+      <p:cxnSp>
+        <p:nvCxnSpPr>
+          <p:cNvPr id="19" name="直線コネクタ 18">
+            <a:extLst>
+              <a:ext uri="{FF2B5EF4-FFF2-40B4-BE49-F238E27FC236}">
+                <a16:creationId xmlns:a16="http://schemas.microsoft.com/office/drawing/2014/main" id="{CFB7484C-C466-5582-FF3A-8FF110811708}"/>
+              </a:ext>
+            </a:extLst>
+          </p:cNvPr>
+          <p:cNvCxnSpPr>
+            <a:cxnSpLocks/>
+          </p:cNvCxnSpPr>
+          <p:nvPr/>
+        </p:nvCxnSpPr>
+        <p:spPr>
+          <a:xfrm>
+            <a:off x="1426835" y="2344615"/>
+            <a:ext cx="358115" cy="720915"/>
+          </a:xfrm>
+          <a:prstGeom prst="line">
+            <a:avLst/>
+          </a:prstGeom>
+          <a:ln>
+            <a:solidFill>
+              <a:schemeClr val="tx1"/>
+            </a:solidFill>
+          </a:ln>
+        </p:spPr>
+        <p:style>
+          <a:lnRef idx="2">
+            <a:schemeClr val="accent1"/>
+          </a:lnRef>
+          <a:fillRef idx="0">
+            <a:schemeClr val="accent1"/>
+          </a:fillRef>
+          <a:effectRef idx="1">
+            <a:schemeClr val="accent1"/>
+          </a:effectRef>
+          <a:fontRef idx="minor">
+            <a:schemeClr val="tx1"/>
+          </a:fontRef>
+        </p:style>
+      </p:cxnSp>
+      <p:sp>
+        <p:nvSpPr>
+          <p:cNvPr id="20" name="テキスト ボックス 19">
+            <a:extLst>
+              <a:ext uri="{FF2B5EF4-FFF2-40B4-BE49-F238E27FC236}">
+                <a16:creationId xmlns:a16="http://schemas.microsoft.com/office/drawing/2014/main" id="{6AD3C43E-4668-28F8-E33B-E07EC7CF9F4E}"/>
+              </a:ext>
+            </a:extLst>
+          </p:cNvPr>
+          <p:cNvSpPr txBox="1"/>
+          <p:nvPr/>
+        </p:nvSpPr>
+        <p:spPr>
+          <a:xfrm>
+            <a:off x="1125571" y="4513386"/>
+            <a:ext cx="2760692" cy="646331"/>
+          </a:xfrm>
+          <a:prstGeom prst="rect">
+            <a:avLst/>
+          </a:prstGeom>
+          <a:noFill/>
+        </p:spPr>
+        <p:txBody>
+          <a:bodyPr wrap="none" rtlCol="0">
+            <a:spAutoFit/>
+          </a:bodyPr>
+          <a:lstStyle/>
+          <a:p>
+            <a:r>
+              <a:rPr kumimoji="1" lang="en-US" altLang="ja-JP" dirty="0"/>
+              <a:t>git checkout </a:t>
+            </a:r>
+            <a:r>
+              <a:rPr kumimoji="1" lang="en-US" altLang="ja-JP" dirty="0" err="1"/>
+              <a:t>branchA</a:t>
+            </a:r>
+            <a:endParaRPr lang="en-US" altLang="ja-JP" dirty="0"/>
+          </a:p>
+          <a:p>
+            <a:r>
+              <a:rPr kumimoji="1" lang="en-US" altLang="ja-JP" dirty="0"/>
+              <a:t>git checkout –b </a:t>
+            </a:r>
+            <a:r>
+              <a:rPr kumimoji="1" lang="en-US" altLang="ja-JP" dirty="0" err="1"/>
+              <a:t>branchB</a:t>
+            </a:r>
+            <a:endParaRPr kumimoji="1" lang="en-US" altLang="ja-JP" dirty="0"/>
+          </a:p>
+        </p:txBody>
+      </p:sp>
+      <p:sp>
+        <p:nvSpPr>
+          <p:cNvPr id="21" name="円/楕円 20">
+            <a:extLst>
+              <a:ext uri="{FF2B5EF4-FFF2-40B4-BE49-F238E27FC236}">
+                <a16:creationId xmlns:a16="http://schemas.microsoft.com/office/drawing/2014/main" id="{02762695-4307-7ABE-28D4-B1B624ED7C94}"/>
+              </a:ext>
+            </a:extLst>
+          </p:cNvPr>
+          <p:cNvSpPr>
+            <a:spLocks noChangeAspect="1"/>
+          </p:cNvSpPr>
+          <p:nvPr/>
+        </p:nvSpPr>
+        <p:spPr>
+          <a:xfrm>
+            <a:off x="5849366" y="1723292"/>
+            <a:ext cx="621323" cy="621323"/>
+          </a:xfrm>
+          <a:prstGeom prst="ellipse">
+            <a:avLst/>
+          </a:prstGeom>
+          <a:solidFill>
+            <a:schemeClr val="accent4">
+              <a:lumMod val="40000"/>
+              <a:lumOff val="60000"/>
+            </a:schemeClr>
+          </a:solidFill>
+          <a:ln>
+            <a:solidFill>
+              <a:schemeClr val="tx1"/>
+            </a:solidFill>
+          </a:ln>
+        </p:spPr>
+        <p:style>
+          <a:lnRef idx="2">
+            <a:schemeClr val="accent1">
+              <a:shade val="15000"/>
+            </a:schemeClr>
+          </a:lnRef>
+          <a:fillRef idx="1">
+            <a:schemeClr val="accent1"/>
+          </a:fillRef>
+          <a:effectRef idx="0">
+            <a:schemeClr val="accent1"/>
+          </a:effectRef>
+          <a:fontRef idx="minor">
+            <a:schemeClr val="lt1"/>
+          </a:fontRef>
+        </p:style>
+        <p:txBody>
+          <a:bodyPr rtlCol="0" anchor="ctr"/>
+          <a:lstStyle/>
+          <a:p>
+            <a:pPr algn="ctr"/>
+            <a:endParaRPr kumimoji="1" lang="ja-JP" altLang="en-US"/>
+          </a:p>
+        </p:txBody>
+      </p:sp>
+      <p:sp>
+        <p:nvSpPr>
+          <p:cNvPr id="22" name="テキスト ボックス 21">
+            <a:extLst>
+              <a:ext uri="{FF2B5EF4-FFF2-40B4-BE49-F238E27FC236}">
+                <a16:creationId xmlns:a16="http://schemas.microsoft.com/office/drawing/2014/main" id="{8F5A9C18-69F4-60D2-5B39-06C1D78BC645}"/>
+              </a:ext>
+            </a:extLst>
+          </p:cNvPr>
+          <p:cNvSpPr txBox="1"/>
+          <p:nvPr/>
+        </p:nvSpPr>
+        <p:spPr>
+          <a:xfrm>
+            <a:off x="5799992" y="1353960"/>
+            <a:ext cx="720069" cy="369332"/>
+          </a:xfrm>
+          <a:prstGeom prst="rect">
+            <a:avLst/>
+          </a:prstGeom>
+          <a:noFill/>
+        </p:spPr>
+        <p:txBody>
+          <a:bodyPr wrap="none" rtlCol="0">
+            <a:spAutoFit/>
+          </a:bodyPr>
+          <a:lstStyle/>
+          <a:p>
+            <a:r>
+              <a:rPr kumimoji="1" lang="en-US" altLang="ja-JP" dirty="0"/>
+              <a:t>main</a:t>
+            </a:r>
+          </a:p>
+        </p:txBody>
+      </p:sp>
+      <p:sp>
+        <p:nvSpPr>
+          <p:cNvPr id="23" name="円/楕円 22">
+            <a:extLst>
+              <a:ext uri="{FF2B5EF4-FFF2-40B4-BE49-F238E27FC236}">
+                <a16:creationId xmlns:a16="http://schemas.microsoft.com/office/drawing/2014/main" id="{D582FFFE-A63D-B53F-35A3-1E5F8C2722B4}"/>
+              </a:ext>
+            </a:extLst>
+          </p:cNvPr>
+          <p:cNvSpPr>
+            <a:spLocks noChangeAspect="1"/>
+          </p:cNvSpPr>
+          <p:nvPr/>
+        </p:nvSpPr>
+        <p:spPr>
+          <a:xfrm>
+            <a:off x="6930368" y="2713947"/>
+            <a:ext cx="621323" cy="621323"/>
+          </a:xfrm>
+          <a:prstGeom prst="ellipse">
+            <a:avLst/>
+          </a:prstGeom>
+          <a:solidFill>
+            <a:schemeClr val="accent6">
+              <a:lumMod val="40000"/>
+              <a:lumOff val="60000"/>
+            </a:schemeClr>
+          </a:solidFill>
+          <a:ln>
+            <a:solidFill>
+              <a:schemeClr val="tx1"/>
+            </a:solidFill>
+          </a:ln>
+        </p:spPr>
+        <p:style>
+          <a:lnRef idx="2">
+            <a:schemeClr val="accent1">
+              <a:shade val="15000"/>
+            </a:schemeClr>
+          </a:lnRef>
+          <a:fillRef idx="1">
+            <a:schemeClr val="accent1"/>
+          </a:fillRef>
+          <a:effectRef idx="0">
+            <a:schemeClr val="accent1"/>
+          </a:effectRef>
+          <a:fontRef idx="minor">
+            <a:schemeClr val="lt1"/>
+          </a:fontRef>
+        </p:style>
+        <p:txBody>
+          <a:bodyPr rtlCol="0" anchor="ctr"/>
+          <a:lstStyle/>
+          <a:p>
+            <a:pPr algn="ctr"/>
+            <a:endParaRPr kumimoji="1" lang="ja-JP" altLang="en-US"/>
+          </a:p>
+        </p:txBody>
+      </p:sp>
+      <p:sp>
+        <p:nvSpPr>
+          <p:cNvPr id="24" name="テキスト ボックス 23">
+            <a:extLst>
+              <a:ext uri="{FF2B5EF4-FFF2-40B4-BE49-F238E27FC236}">
+                <a16:creationId xmlns:a16="http://schemas.microsoft.com/office/drawing/2014/main" id="{389E2215-32EB-A8A4-6A15-4CF00FEBFD45}"/>
+              </a:ext>
+            </a:extLst>
+          </p:cNvPr>
+          <p:cNvSpPr txBox="1"/>
+          <p:nvPr/>
+        </p:nvSpPr>
+        <p:spPr>
+          <a:xfrm>
+            <a:off x="6707068" y="2344615"/>
+            <a:ext cx="1067921" cy="369332"/>
+          </a:xfrm>
+          <a:prstGeom prst="rect">
+            <a:avLst/>
+          </a:prstGeom>
+          <a:noFill/>
+        </p:spPr>
+        <p:txBody>
+          <a:bodyPr wrap="none" rtlCol="0">
+            <a:spAutoFit/>
+          </a:bodyPr>
+          <a:lstStyle/>
+          <a:p>
+            <a:r>
+              <a:rPr kumimoji="1" lang="en-US" altLang="ja-JP" dirty="0" err="1"/>
+              <a:t>branchA</a:t>
+            </a:r>
+            <a:endParaRPr kumimoji="1" lang="ja-JP" altLang="en-US"/>
+          </a:p>
+        </p:txBody>
+      </p:sp>
+      <p:sp>
+        <p:nvSpPr>
+          <p:cNvPr id="25" name="円/楕円 24">
+            <a:extLst>
+              <a:ext uri="{FF2B5EF4-FFF2-40B4-BE49-F238E27FC236}">
+                <a16:creationId xmlns:a16="http://schemas.microsoft.com/office/drawing/2014/main" id="{EB02A2C2-D8E8-7AAD-644E-09D434749C83}"/>
+              </a:ext>
+            </a:extLst>
+          </p:cNvPr>
+          <p:cNvSpPr>
+            <a:spLocks noChangeAspect="1"/>
+          </p:cNvSpPr>
+          <p:nvPr/>
+        </p:nvSpPr>
+        <p:spPr>
+          <a:xfrm>
+            <a:off x="7998289" y="3722133"/>
+            <a:ext cx="621323" cy="621323"/>
+          </a:xfrm>
+          <a:prstGeom prst="ellipse">
+            <a:avLst/>
+          </a:prstGeom>
+          <a:solidFill>
+            <a:schemeClr val="accent6">
+              <a:lumMod val="40000"/>
+              <a:lumOff val="60000"/>
+            </a:schemeClr>
+          </a:solidFill>
+          <a:ln>
+            <a:solidFill>
+              <a:schemeClr val="tx1"/>
+            </a:solidFill>
+          </a:ln>
+        </p:spPr>
+        <p:style>
+          <a:lnRef idx="2">
+            <a:schemeClr val="accent1">
+              <a:shade val="15000"/>
+            </a:schemeClr>
+          </a:lnRef>
+          <a:fillRef idx="1">
+            <a:schemeClr val="accent1"/>
+          </a:fillRef>
+          <a:effectRef idx="0">
+            <a:schemeClr val="accent1"/>
+          </a:effectRef>
+          <a:fontRef idx="minor">
+            <a:schemeClr val="lt1"/>
+          </a:fontRef>
+        </p:style>
+        <p:txBody>
+          <a:bodyPr rtlCol="0" anchor="ctr"/>
+          <a:lstStyle/>
+          <a:p>
+            <a:pPr algn="ctr"/>
+            <a:endParaRPr kumimoji="1" lang="ja-JP" altLang="en-US"/>
+          </a:p>
+        </p:txBody>
+      </p:sp>
+      <p:sp>
+        <p:nvSpPr>
+          <p:cNvPr id="26" name="テキスト ボックス 25">
+            <a:extLst>
+              <a:ext uri="{FF2B5EF4-FFF2-40B4-BE49-F238E27FC236}">
+                <a16:creationId xmlns:a16="http://schemas.microsoft.com/office/drawing/2014/main" id="{2F6DAF4D-1756-9CBC-9945-86DC4D5FE67C}"/>
+              </a:ext>
+            </a:extLst>
+          </p:cNvPr>
+          <p:cNvSpPr txBox="1"/>
+          <p:nvPr/>
+        </p:nvSpPr>
+        <p:spPr>
+          <a:xfrm>
+            <a:off x="7774989" y="3352801"/>
+            <a:ext cx="1075936" cy="369332"/>
+          </a:xfrm>
+          <a:prstGeom prst="rect">
+            <a:avLst/>
+          </a:prstGeom>
+          <a:noFill/>
+        </p:spPr>
+        <p:txBody>
+          <a:bodyPr wrap="none" rtlCol="0">
+            <a:spAutoFit/>
+          </a:bodyPr>
+          <a:lstStyle/>
+          <a:p>
+            <a:r>
+              <a:rPr kumimoji="1" lang="en-US" altLang="ja-JP" dirty="0" err="1"/>
+              <a:t>branchB</a:t>
+            </a:r>
+            <a:endParaRPr kumimoji="1" lang="ja-JP" altLang="en-US"/>
+          </a:p>
+        </p:txBody>
+      </p:sp>
+      <p:cxnSp>
+        <p:nvCxnSpPr>
+          <p:cNvPr id="27" name="直線矢印コネクタ 26">
+            <a:extLst>
+              <a:ext uri="{FF2B5EF4-FFF2-40B4-BE49-F238E27FC236}">
+                <a16:creationId xmlns:a16="http://schemas.microsoft.com/office/drawing/2014/main" id="{2E96C0EC-F7A0-3A3C-7A74-53502122F77B}"/>
+              </a:ext>
+            </a:extLst>
+          </p:cNvPr>
+          <p:cNvCxnSpPr>
+            <a:cxnSpLocks/>
+          </p:cNvCxnSpPr>
+          <p:nvPr/>
+        </p:nvCxnSpPr>
+        <p:spPr>
+          <a:xfrm>
+            <a:off x="7022123" y="4056185"/>
+            <a:ext cx="987327" cy="0"/>
+          </a:xfrm>
+          <a:prstGeom prst="straightConnector1">
+            <a:avLst/>
+          </a:prstGeom>
+          <a:ln>
+            <a:solidFill>
+              <a:schemeClr val="tx1"/>
+            </a:solidFill>
+            <a:tailEnd type="triangle"/>
+          </a:ln>
+        </p:spPr>
+        <p:style>
+          <a:lnRef idx="2">
+            <a:schemeClr val="accent1"/>
+          </a:lnRef>
+          <a:fillRef idx="0">
+            <a:schemeClr val="accent1"/>
+          </a:fillRef>
+          <a:effectRef idx="1">
+            <a:schemeClr val="accent1"/>
+          </a:effectRef>
+          <a:fontRef idx="minor">
+            <a:schemeClr val="tx1"/>
+          </a:fontRef>
+        </p:style>
+      </p:cxnSp>
+      <p:cxnSp>
+        <p:nvCxnSpPr>
+          <p:cNvPr id="29" name="直線矢印コネクタ 28">
+            <a:extLst>
+              <a:ext uri="{FF2B5EF4-FFF2-40B4-BE49-F238E27FC236}">
+                <a16:creationId xmlns:a16="http://schemas.microsoft.com/office/drawing/2014/main" id="{ECBBE9D7-DCD1-E06C-F898-7878D706BCA8}"/>
+              </a:ext>
+            </a:extLst>
+          </p:cNvPr>
+          <p:cNvCxnSpPr>
+            <a:cxnSpLocks/>
+          </p:cNvCxnSpPr>
+          <p:nvPr/>
+        </p:nvCxnSpPr>
+        <p:spPr>
+          <a:xfrm>
+            <a:off x="6520061" y="3065530"/>
+            <a:ext cx="410307" cy="0"/>
+          </a:xfrm>
+          <a:prstGeom prst="straightConnector1">
+            <a:avLst/>
+          </a:prstGeom>
+          <a:ln>
+            <a:solidFill>
+              <a:schemeClr val="tx1"/>
+            </a:solidFill>
+            <a:tailEnd type="triangle"/>
+          </a:ln>
+        </p:spPr>
+        <p:style>
+          <a:lnRef idx="2">
+            <a:schemeClr val="accent1"/>
+          </a:lnRef>
+          <a:fillRef idx="0">
+            <a:schemeClr val="accent1"/>
+          </a:fillRef>
+          <a:effectRef idx="1">
+            <a:schemeClr val="accent1"/>
+          </a:effectRef>
+          <a:fontRef idx="minor">
+            <a:schemeClr val="tx1"/>
+          </a:fontRef>
+        </p:style>
+      </p:cxnSp>
+      <p:cxnSp>
+        <p:nvCxnSpPr>
+          <p:cNvPr id="30" name="直線コネクタ 29">
+            <a:extLst>
+              <a:ext uri="{FF2B5EF4-FFF2-40B4-BE49-F238E27FC236}">
+                <a16:creationId xmlns:a16="http://schemas.microsoft.com/office/drawing/2014/main" id="{07E515EB-55A8-00E9-08BB-6BE4C19E6E50}"/>
+              </a:ext>
+            </a:extLst>
+          </p:cNvPr>
+          <p:cNvCxnSpPr>
+            <a:cxnSpLocks/>
+          </p:cNvCxnSpPr>
+          <p:nvPr/>
+        </p:nvCxnSpPr>
+        <p:spPr>
+          <a:xfrm>
+            <a:off x="6161946" y="2344615"/>
+            <a:ext cx="860177" cy="1723349"/>
+          </a:xfrm>
+          <a:prstGeom prst="line">
+            <a:avLst/>
+          </a:prstGeom>
+          <a:ln>
+            <a:solidFill>
+              <a:schemeClr val="tx1"/>
+            </a:solidFill>
+          </a:ln>
+        </p:spPr>
+        <p:style>
+          <a:lnRef idx="2">
+            <a:schemeClr val="accent1"/>
+          </a:lnRef>
+          <a:fillRef idx="0">
+            <a:schemeClr val="accent1"/>
+          </a:fillRef>
+          <a:effectRef idx="1">
+            <a:schemeClr val="accent1"/>
+          </a:effectRef>
+          <a:fontRef idx="minor">
+            <a:schemeClr val="tx1"/>
+          </a:fontRef>
+        </p:style>
+      </p:cxnSp>
+      <p:sp>
+        <p:nvSpPr>
+          <p:cNvPr id="31" name="テキスト ボックス 30">
+            <a:extLst>
+              <a:ext uri="{FF2B5EF4-FFF2-40B4-BE49-F238E27FC236}">
+                <a16:creationId xmlns:a16="http://schemas.microsoft.com/office/drawing/2014/main" id="{0492424C-19B6-B2B7-CABF-2C1C0E1B371C}"/>
+              </a:ext>
+            </a:extLst>
+          </p:cNvPr>
+          <p:cNvSpPr txBox="1"/>
+          <p:nvPr/>
+        </p:nvSpPr>
+        <p:spPr>
+          <a:xfrm>
+            <a:off x="5860682" y="4513386"/>
+            <a:ext cx="2760692" cy="923330"/>
+          </a:xfrm>
+          <a:prstGeom prst="rect">
+            <a:avLst/>
+          </a:prstGeom>
+          <a:noFill/>
+        </p:spPr>
+        <p:txBody>
+          <a:bodyPr wrap="none" rtlCol="0">
+            <a:spAutoFit/>
+          </a:bodyPr>
+          <a:lstStyle/>
+          <a:p>
+            <a:r>
+              <a:rPr kumimoji="1" lang="en-US" altLang="ja-JP" dirty="0"/>
+              <a:t>git checkout </a:t>
+            </a:r>
+            <a:r>
+              <a:rPr kumimoji="1" lang="en-US" altLang="ja-JP" dirty="0" err="1"/>
+              <a:t>branchA</a:t>
+            </a:r>
+            <a:endParaRPr lang="en-US" altLang="ja-JP" dirty="0"/>
+          </a:p>
+          <a:p>
+            <a:r>
+              <a:rPr kumimoji="1" lang="en-US" altLang="ja-JP" dirty="0"/>
+              <a:t>git checkout main</a:t>
+            </a:r>
+          </a:p>
+          <a:p>
+            <a:r>
+              <a:rPr kumimoji="1" lang="en-US" altLang="ja-JP" dirty="0"/>
+              <a:t>git checkout –b </a:t>
+            </a:r>
+            <a:r>
+              <a:rPr kumimoji="1" lang="en-US" altLang="ja-JP" dirty="0" err="1"/>
+              <a:t>branchB</a:t>
+            </a:r>
+            <a:endParaRPr kumimoji="1" lang="en-US" altLang="ja-JP" dirty="0"/>
+          </a:p>
+        </p:txBody>
+      </p:sp>
+    </p:spTree>
+    <p:extLst>
+      <p:ext uri="{BB962C8B-B14F-4D97-AF65-F5344CB8AC3E}">
+        <p14:creationId xmlns:p14="http://schemas.microsoft.com/office/powerpoint/2010/main" val="2573116093"/>
       </p:ext>
     </p:extLst>
   </p:cSld>

--- a/git_images.pptx
+++ b/git_images.pptx
@@ -4118,10 +4118,10 @@
       </p:grpSpPr>
       <p:sp>
         <p:nvSpPr>
-          <p:cNvPr id="4" name="円/楕円 3">
-            <a:extLst>
-              <a:ext uri="{FF2B5EF4-FFF2-40B4-BE49-F238E27FC236}">
-                <a16:creationId xmlns:a16="http://schemas.microsoft.com/office/drawing/2014/main" id="{3170B7D5-53DD-5973-8011-AB4F7D65E360}"/>
+          <p:cNvPr id="21" name="円/楕円 20">
+            <a:extLst>
+              <a:ext uri="{FF2B5EF4-FFF2-40B4-BE49-F238E27FC236}">
+                <a16:creationId xmlns:a16="http://schemas.microsoft.com/office/drawing/2014/main" id="{02762695-4307-7ABE-28D4-B1B624ED7C94}"/>
               </a:ext>
             </a:extLst>
           </p:cNvPr>
@@ -4132,7 +4132,7 @@
         </p:nvSpPr>
         <p:spPr>
           <a:xfrm>
-            <a:off x="1114255" y="1723292"/>
+            <a:off x="1816628" y="1992922"/>
             <a:ext cx="621323" cy="621323"/>
           </a:xfrm>
           <a:prstGeom prst="ellipse">
@@ -4177,10 +4177,10 @@
       </p:sp>
       <p:sp>
         <p:nvSpPr>
-          <p:cNvPr id="5" name="テキスト ボックス 4">
-            <a:extLst>
-              <a:ext uri="{FF2B5EF4-FFF2-40B4-BE49-F238E27FC236}">
-                <a16:creationId xmlns:a16="http://schemas.microsoft.com/office/drawing/2014/main" id="{266C633C-812E-F404-518E-F19A1A631E8D}"/>
+          <p:cNvPr id="22" name="テキスト ボックス 21">
+            <a:extLst>
+              <a:ext uri="{FF2B5EF4-FFF2-40B4-BE49-F238E27FC236}">
+                <a16:creationId xmlns:a16="http://schemas.microsoft.com/office/drawing/2014/main" id="{8F5A9C18-69F4-60D2-5B39-06C1D78BC645}"/>
               </a:ext>
             </a:extLst>
           </p:cNvPr>
@@ -4189,7 +4189,7 @@
         </p:nvSpPr>
         <p:spPr>
           <a:xfrm>
-            <a:off x="1064881" y="1353960"/>
+            <a:off x="1096559" y="2118917"/>
             <a:ext cx="720069" cy="369332"/>
           </a:xfrm>
           <a:prstGeom prst="rect">
@@ -4212,10 +4212,10 @@
       </p:sp>
       <p:sp>
         <p:nvSpPr>
-          <p:cNvPr id="6" name="円/楕円 5">
-            <a:extLst>
-              <a:ext uri="{FF2B5EF4-FFF2-40B4-BE49-F238E27FC236}">
-                <a16:creationId xmlns:a16="http://schemas.microsoft.com/office/drawing/2014/main" id="{9B1BB693-292E-FC20-517B-5A9BC078A2C0}"/>
+          <p:cNvPr id="23" name="円/楕円 22">
+            <a:extLst>
+              <a:ext uri="{FF2B5EF4-FFF2-40B4-BE49-F238E27FC236}">
+                <a16:creationId xmlns:a16="http://schemas.microsoft.com/office/drawing/2014/main" id="{D582FFFE-A63D-B53F-35A3-1E5F8C2722B4}"/>
               </a:ext>
             </a:extLst>
           </p:cNvPr>
@@ -4226,7 +4226,7 @@
         </p:nvSpPr>
         <p:spPr>
           <a:xfrm>
-            <a:off x="2195257" y="2713947"/>
+            <a:off x="2897630" y="2983577"/>
             <a:ext cx="621323" cy="621323"/>
           </a:xfrm>
           <a:prstGeom prst="ellipse">
@@ -4271,10 +4271,10 @@
       </p:sp>
       <p:sp>
         <p:nvSpPr>
-          <p:cNvPr id="7" name="テキスト ボックス 6">
-            <a:extLst>
-              <a:ext uri="{FF2B5EF4-FFF2-40B4-BE49-F238E27FC236}">
-                <a16:creationId xmlns:a16="http://schemas.microsoft.com/office/drawing/2014/main" id="{EA133AA1-DCCB-EC0B-768F-36A9201E403E}"/>
+          <p:cNvPr id="24" name="テキスト ボックス 23">
+            <a:extLst>
+              <a:ext uri="{FF2B5EF4-FFF2-40B4-BE49-F238E27FC236}">
+                <a16:creationId xmlns:a16="http://schemas.microsoft.com/office/drawing/2014/main" id="{389E2215-32EB-A8A4-6A15-4CF00FEBFD45}"/>
               </a:ext>
             </a:extLst>
           </p:cNvPr>
@@ -4283,8 +4283,8 @@
         </p:nvSpPr>
         <p:spPr>
           <a:xfrm>
-            <a:off x="1971957" y="2344615"/>
-            <a:ext cx="1067921" cy="369332"/>
+            <a:off x="704225" y="3115296"/>
+            <a:ext cx="1443024" cy="369332"/>
           </a:xfrm>
           <a:prstGeom prst="rect">
             <a:avLst/>
@@ -4299,7 +4299,7 @@
           <a:p>
             <a:r>
               <a:rPr kumimoji="1" lang="en-US" altLang="ja-JP" dirty="0" err="1"/>
-              <a:t>branchA</a:t>
+              <a:t>branch_test</a:t>
             </a:r>
             <a:endParaRPr kumimoji="1" lang="ja-JP" altLang="en-US"/>
           </a:p>
@@ -4307,10 +4307,10 @@
       </p:sp>
       <p:sp>
         <p:nvSpPr>
-          <p:cNvPr id="10" name="円/楕円 9">
-            <a:extLst>
-              <a:ext uri="{FF2B5EF4-FFF2-40B4-BE49-F238E27FC236}">
-                <a16:creationId xmlns:a16="http://schemas.microsoft.com/office/drawing/2014/main" id="{3F2978F7-692F-0278-97DE-69C917CC9523}"/>
+          <p:cNvPr id="25" name="円/楕円 24">
+            <a:extLst>
+              <a:ext uri="{FF2B5EF4-FFF2-40B4-BE49-F238E27FC236}">
+                <a16:creationId xmlns:a16="http://schemas.microsoft.com/office/drawing/2014/main" id="{EB02A2C2-D8E8-7AAD-644E-09D434749C83}"/>
               </a:ext>
             </a:extLst>
           </p:cNvPr>
@@ -4321,7 +4321,7 @@
         </p:nvSpPr>
         <p:spPr>
           <a:xfrm>
-            <a:off x="3263178" y="3722133"/>
+            <a:off x="3965551" y="3991763"/>
             <a:ext cx="621323" cy="621323"/>
           </a:xfrm>
           <a:prstGeom prst="ellipse">
@@ -4366,10 +4366,10 @@
       </p:sp>
       <p:sp>
         <p:nvSpPr>
-          <p:cNvPr id="11" name="テキスト ボックス 10">
-            <a:extLst>
-              <a:ext uri="{FF2B5EF4-FFF2-40B4-BE49-F238E27FC236}">
-                <a16:creationId xmlns:a16="http://schemas.microsoft.com/office/drawing/2014/main" id="{6677A697-CBD0-892B-8E3D-5B78158A86E7}"/>
+          <p:cNvPr id="26" name="テキスト ボックス 25">
+            <a:extLst>
+              <a:ext uri="{FF2B5EF4-FFF2-40B4-BE49-F238E27FC236}">
+                <a16:creationId xmlns:a16="http://schemas.microsoft.com/office/drawing/2014/main" id="{2F6DAF4D-1756-9CBC-9945-86DC4D5FE67C}"/>
               </a:ext>
             </a:extLst>
           </p:cNvPr>
@@ -4378,8 +4378,8 @@
         </p:nvSpPr>
         <p:spPr>
           <a:xfrm>
-            <a:off x="3039878" y="3352801"/>
-            <a:ext cx="1075936" cy="369332"/>
+            <a:off x="659740" y="4141149"/>
+            <a:ext cx="1593706" cy="369332"/>
           </a:xfrm>
           <a:prstGeom prst="rect">
             <a:avLst/>
@@ -4393,8 +4393,8 @@
           <a:lstStyle/>
           <a:p>
             <a:r>
-              <a:rPr kumimoji="1" lang="en-US" altLang="ja-JP" dirty="0" err="1"/>
-              <a:t>branchB</a:t>
+              <a:rPr kumimoji="1" lang="en-US" altLang="ja-JP" dirty="0"/>
+              <a:t>branch_test2</a:t>
             </a:r>
             <a:endParaRPr kumimoji="1" lang="ja-JP" altLang="en-US"/>
           </a:p>
@@ -4402,10 +4402,10 @@
       </p:sp>
       <p:cxnSp>
         <p:nvCxnSpPr>
-          <p:cNvPr id="13" name="直線矢印コネクタ 12">
-            <a:extLst>
-              <a:ext uri="{FF2B5EF4-FFF2-40B4-BE49-F238E27FC236}">
-                <a16:creationId xmlns:a16="http://schemas.microsoft.com/office/drawing/2014/main" id="{4CA06B23-D299-8ED5-58CE-C94A5AEFB122}"/>
+          <p:cNvPr id="27" name="直線矢印コネクタ 26">
+            <a:extLst>
+              <a:ext uri="{FF2B5EF4-FFF2-40B4-BE49-F238E27FC236}">
+                <a16:creationId xmlns:a16="http://schemas.microsoft.com/office/drawing/2014/main" id="{2E96C0EC-F7A0-3A3C-7A74-53502122F77B}"/>
               </a:ext>
             </a:extLst>
           </p:cNvPr>
@@ -4416,7 +4416,51 @@
         </p:nvCxnSpPr>
         <p:spPr>
           <a:xfrm>
-            <a:off x="2864032" y="4056185"/>
+            <a:off x="2989385" y="4325815"/>
+            <a:ext cx="987327" cy="0"/>
+          </a:xfrm>
+          <a:prstGeom prst="straightConnector1">
+            <a:avLst/>
+          </a:prstGeom>
+          <a:ln>
+            <a:solidFill>
+              <a:schemeClr val="tx1"/>
+            </a:solidFill>
+            <a:tailEnd type="triangle"/>
+          </a:ln>
+        </p:spPr>
+        <p:style>
+          <a:lnRef idx="2">
+            <a:schemeClr val="accent1"/>
+          </a:lnRef>
+          <a:fillRef idx="0">
+            <a:schemeClr val="accent1"/>
+          </a:fillRef>
+          <a:effectRef idx="1">
+            <a:schemeClr val="accent1"/>
+          </a:effectRef>
+          <a:fontRef idx="minor">
+            <a:schemeClr val="tx1"/>
+          </a:fontRef>
+        </p:style>
+      </p:cxnSp>
+      <p:cxnSp>
+        <p:nvCxnSpPr>
+          <p:cNvPr id="29" name="直線矢印コネクタ 28">
+            <a:extLst>
+              <a:ext uri="{FF2B5EF4-FFF2-40B4-BE49-F238E27FC236}">
+                <a16:creationId xmlns:a16="http://schemas.microsoft.com/office/drawing/2014/main" id="{ECBBE9D7-DCD1-E06C-F898-7878D706BCA8}"/>
+              </a:ext>
+            </a:extLst>
+          </p:cNvPr>
+          <p:cNvCxnSpPr>
+            <a:cxnSpLocks/>
+          </p:cNvCxnSpPr>
+          <p:nvPr/>
+        </p:nvCxnSpPr>
+        <p:spPr>
+          <a:xfrm>
+            <a:off x="2487323" y="3335160"/>
             <a:ext cx="410307" cy="0"/>
           </a:xfrm>
           <a:prstGeom prst="straightConnector1">
@@ -4446,10 +4490,10 @@
       </p:cxnSp>
       <p:cxnSp>
         <p:nvCxnSpPr>
-          <p:cNvPr id="16" name="直線コネクタ 15">
-            <a:extLst>
-              <a:ext uri="{FF2B5EF4-FFF2-40B4-BE49-F238E27FC236}">
-                <a16:creationId xmlns:a16="http://schemas.microsoft.com/office/drawing/2014/main" id="{2CE75378-6FB5-0BE6-C7E8-A0D33C597E1F}"/>
+          <p:cNvPr id="30" name="直線コネクタ 29">
+            <a:extLst>
+              <a:ext uri="{FF2B5EF4-FFF2-40B4-BE49-F238E27FC236}">
+                <a16:creationId xmlns:a16="http://schemas.microsoft.com/office/drawing/2014/main" id="{07E515EB-55A8-00E9-08BB-6BE4C19E6E50}"/>
               </a:ext>
             </a:extLst>
           </p:cNvPr>
@@ -4460,8 +4504,8 @@
         </p:nvCxnSpPr>
         <p:spPr>
           <a:xfrm>
-            <a:off x="2505917" y="3335270"/>
-            <a:ext cx="358115" cy="720915"/>
+            <a:off x="2129208" y="2614245"/>
+            <a:ext cx="860177" cy="1723349"/>
           </a:xfrm>
           <a:prstGeom prst="line">
             <a:avLst/>
@@ -4487,161 +4531,23 @@
           </a:fontRef>
         </p:style>
       </p:cxnSp>
-      <p:cxnSp>
-        <p:nvCxnSpPr>
-          <p:cNvPr id="18" name="直線矢印コネクタ 17">
-            <a:extLst>
-              <a:ext uri="{FF2B5EF4-FFF2-40B4-BE49-F238E27FC236}">
-                <a16:creationId xmlns:a16="http://schemas.microsoft.com/office/drawing/2014/main" id="{11722116-368F-4D63-2E5C-8B6FA7D864F7}"/>
-              </a:ext>
-            </a:extLst>
-          </p:cNvPr>
-          <p:cNvCxnSpPr>
-            <a:cxnSpLocks/>
-          </p:cNvCxnSpPr>
+      <p:sp>
+        <p:nvSpPr>
+          <p:cNvPr id="2" name="円/楕円 1">
+            <a:extLst>
+              <a:ext uri="{FF2B5EF4-FFF2-40B4-BE49-F238E27FC236}">
+                <a16:creationId xmlns:a16="http://schemas.microsoft.com/office/drawing/2014/main" id="{2D9EF614-5758-E4A1-3F9F-7F3E7FDD584E}"/>
+              </a:ext>
+            </a:extLst>
+          </p:cNvPr>
+          <p:cNvSpPr>
+            <a:spLocks noChangeAspect="1"/>
+          </p:cNvSpPr>
           <p:nvPr/>
-        </p:nvCxnSpPr>
+        </p:nvSpPr>
         <p:spPr>
           <a:xfrm>
-            <a:off x="1784950" y="3065530"/>
-            <a:ext cx="410307" cy="0"/>
-          </a:xfrm>
-          <a:prstGeom prst="straightConnector1">
-            <a:avLst/>
-          </a:prstGeom>
-          <a:ln>
-            <a:solidFill>
-              <a:schemeClr val="tx1"/>
-            </a:solidFill>
-            <a:tailEnd type="triangle"/>
-          </a:ln>
-        </p:spPr>
-        <p:style>
-          <a:lnRef idx="2">
-            <a:schemeClr val="accent1"/>
-          </a:lnRef>
-          <a:fillRef idx="0">
-            <a:schemeClr val="accent1"/>
-          </a:fillRef>
-          <a:effectRef idx="1">
-            <a:schemeClr val="accent1"/>
-          </a:effectRef>
-          <a:fontRef idx="minor">
-            <a:schemeClr val="tx1"/>
-          </a:fontRef>
-        </p:style>
-      </p:cxnSp>
-      <p:cxnSp>
-        <p:nvCxnSpPr>
-          <p:cNvPr id="19" name="直線コネクタ 18">
-            <a:extLst>
-              <a:ext uri="{FF2B5EF4-FFF2-40B4-BE49-F238E27FC236}">
-                <a16:creationId xmlns:a16="http://schemas.microsoft.com/office/drawing/2014/main" id="{CFB7484C-C466-5582-FF3A-8FF110811708}"/>
-              </a:ext>
-            </a:extLst>
-          </p:cNvPr>
-          <p:cNvCxnSpPr>
-            <a:cxnSpLocks/>
-          </p:cNvCxnSpPr>
-          <p:nvPr/>
-        </p:nvCxnSpPr>
-        <p:spPr>
-          <a:xfrm>
-            <a:off x="1426835" y="2344615"/>
-            <a:ext cx="358115" cy="720915"/>
-          </a:xfrm>
-          <a:prstGeom prst="line">
-            <a:avLst/>
-          </a:prstGeom>
-          <a:ln>
-            <a:solidFill>
-              <a:schemeClr val="tx1"/>
-            </a:solidFill>
-          </a:ln>
-        </p:spPr>
-        <p:style>
-          <a:lnRef idx="2">
-            <a:schemeClr val="accent1"/>
-          </a:lnRef>
-          <a:fillRef idx="0">
-            <a:schemeClr val="accent1"/>
-          </a:fillRef>
-          <a:effectRef idx="1">
-            <a:schemeClr val="accent1"/>
-          </a:effectRef>
-          <a:fontRef idx="minor">
-            <a:schemeClr val="tx1"/>
-          </a:fontRef>
-        </p:style>
-      </p:cxnSp>
-      <p:sp>
-        <p:nvSpPr>
-          <p:cNvPr id="20" name="テキスト ボックス 19">
-            <a:extLst>
-              <a:ext uri="{FF2B5EF4-FFF2-40B4-BE49-F238E27FC236}">
-                <a16:creationId xmlns:a16="http://schemas.microsoft.com/office/drawing/2014/main" id="{6AD3C43E-4668-28F8-E33B-E07EC7CF9F4E}"/>
-              </a:ext>
-            </a:extLst>
-          </p:cNvPr>
-          <p:cNvSpPr txBox="1"/>
-          <p:nvPr/>
-        </p:nvSpPr>
-        <p:spPr>
-          <a:xfrm>
-            <a:off x="1125571" y="4513386"/>
-            <a:ext cx="2760692" cy="646331"/>
-          </a:xfrm>
-          <a:prstGeom prst="rect">
-            <a:avLst/>
-          </a:prstGeom>
-          <a:noFill/>
-        </p:spPr>
-        <p:txBody>
-          <a:bodyPr wrap="none" rtlCol="0">
-            <a:spAutoFit/>
-          </a:bodyPr>
-          <a:lstStyle/>
-          <a:p>
-            <a:r>
-              <a:rPr kumimoji="1" lang="en-US" altLang="ja-JP" dirty="0"/>
-              <a:t>git checkout </a:t>
-            </a:r>
-            <a:r>
-              <a:rPr kumimoji="1" lang="en-US" altLang="ja-JP" dirty="0" err="1"/>
-              <a:t>branchA</a:t>
-            </a:r>
-            <a:endParaRPr lang="en-US" altLang="ja-JP" dirty="0"/>
-          </a:p>
-          <a:p>
-            <a:r>
-              <a:rPr kumimoji="1" lang="en-US" altLang="ja-JP" dirty="0"/>
-              <a:t>git checkout –b </a:t>
-            </a:r>
-            <a:r>
-              <a:rPr kumimoji="1" lang="en-US" altLang="ja-JP" dirty="0" err="1"/>
-              <a:t>branchB</a:t>
-            </a:r>
-            <a:endParaRPr kumimoji="1" lang="en-US" altLang="ja-JP" dirty="0"/>
-          </a:p>
-        </p:txBody>
-      </p:sp>
-      <p:sp>
-        <p:nvSpPr>
-          <p:cNvPr id="21" name="円/楕円 20">
-            <a:extLst>
-              <a:ext uri="{FF2B5EF4-FFF2-40B4-BE49-F238E27FC236}">
-                <a16:creationId xmlns:a16="http://schemas.microsoft.com/office/drawing/2014/main" id="{02762695-4307-7ABE-28D4-B1B624ED7C94}"/>
-              </a:ext>
-            </a:extLst>
-          </p:cNvPr>
-          <p:cNvSpPr>
-            <a:spLocks noChangeAspect="1"/>
-          </p:cNvSpPr>
-          <p:nvPr/>
-        </p:nvSpPr>
-        <p:spPr>
-          <a:xfrm>
-            <a:off x="5849366" y="1723292"/>
+            <a:off x="5135147" y="1992922"/>
             <a:ext cx="621323" cy="621323"/>
           </a:xfrm>
           <a:prstGeom prst="ellipse">
@@ -4684,47 +4590,103 @@
           </a:p>
         </p:txBody>
       </p:sp>
-      <p:sp>
-        <p:nvSpPr>
-          <p:cNvPr id="22" name="テキスト ボックス 21">
-            <a:extLst>
-              <a:ext uri="{FF2B5EF4-FFF2-40B4-BE49-F238E27FC236}">
-                <a16:creationId xmlns:a16="http://schemas.microsoft.com/office/drawing/2014/main" id="{8F5A9C18-69F4-60D2-5B39-06C1D78BC645}"/>
-              </a:ext>
-            </a:extLst>
-          </p:cNvPr>
-          <p:cNvSpPr txBox="1"/>
+      <p:cxnSp>
+        <p:nvCxnSpPr>
+          <p:cNvPr id="8" name="直線矢印コネクタ 7">
+            <a:extLst>
+              <a:ext uri="{FF2B5EF4-FFF2-40B4-BE49-F238E27FC236}">
+                <a16:creationId xmlns:a16="http://schemas.microsoft.com/office/drawing/2014/main" id="{FE3EFEF4-1670-8F53-CC4A-A193027AA379}"/>
+              </a:ext>
+            </a:extLst>
+          </p:cNvPr>
+          <p:cNvCxnSpPr>
+            <a:cxnSpLocks/>
+            <a:stCxn id="25" idx="6"/>
+            <a:endCxn id="2" idx="4"/>
+          </p:cNvCxnSpPr>
           <p:nvPr/>
-        </p:nvSpPr>
+        </p:nvCxnSpPr>
+        <p:spPr>
+          <a:xfrm flipV="1">
+            <a:off x="4586874" y="2614245"/>
+            <a:ext cx="858935" cy="1688180"/>
+          </a:xfrm>
+          <a:prstGeom prst="straightConnector1">
+            <a:avLst/>
+          </a:prstGeom>
+          <a:ln>
+            <a:solidFill>
+              <a:schemeClr val="tx1"/>
+            </a:solidFill>
+            <a:tailEnd type="triangle"/>
+          </a:ln>
+        </p:spPr>
+        <p:style>
+          <a:lnRef idx="2">
+            <a:schemeClr val="accent1"/>
+          </a:lnRef>
+          <a:fillRef idx="0">
+            <a:schemeClr val="accent1"/>
+          </a:fillRef>
+          <a:effectRef idx="1">
+            <a:schemeClr val="accent1"/>
+          </a:effectRef>
+          <a:fontRef idx="minor">
+            <a:schemeClr val="tx1"/>
+          </a:fontRef>
+        </p:style>
+      </p:cxnSp>
+      <p:cxnSp>
+        <p:nvCxnSpPr>
+          <p:cNvPr id="15" name="直線矢印コネクタ 14">
+            <a:extLst>
+              <a:ext uri="{FF2B5EF4-FFF2-40B4-BE49-F238E27FC236}">
+                <a16:creationId xmlns:a16="http://schemas.microsoft.com/office/drawing/2014/main" id="{836DB42B-0D2C-BAF6-6C6D-EAA777FE20F6}"/>
+              </a:ext>
+            </a:extLst>
+          </p:cNvPr>
+          <p:cNvCxnSpPr>
+            <a:cxnSpLocks/>
+            <a:endCxn id="2" idx="2"/>
+          </p:cNvCxnSpPr>
+          <p:nvPr/>
+        </p:nvCxnSpPr>
         <p:spPr>
           <a:xfrm>
-            <a:off x="5799992" y="1353960"/>
-            <a:ext cx="720069" cy="369332"/>
+            <a:off x="2437951" y="2303583"/>
+            <a:ext cx="2697196" cy="1"/>
           </a:xfrm>
-          <a:prstGeom prst="rect">
+          <a:prstGeom prst="straightConnector1">
             <a:avLst/>
           </a:prstGeom>
-          <a:noFill/>
+          <a:ln>
+            <a:solidFill>
+              <a:schemeClr val="tx1"/>
+            </a:solidFill>
+            <a:tailEnd type="triangle"/>
+          </a:ln>
         </p:spPr>
-        <p:txBody>
-          <a:bodyPr wrap="none" rtlCol="0">
-            <a:spAutoFit/>
-          </a:bodyPr>
-          <a:lstStyle/>
-          <a:p>
-            <a:r>
-              <a:rPr kumimoji="1" lang="en-US" altLang="ja-JP" dirty="0"/>
-              <a:t>main</a:t>
-            </a:r>
-          </a:p>
-        </p:txBody>
-      </p:sp>
-      <p:sp>
-        <p:nvSpPr>
-          <p:cNvPr id="23" name="円/楕円 22">
-            <a:extLst>
-              <a:ext uri="{FF2B5EF4-FFF2-40B4-BE49-F238E27FC236}">
-                <a16:creationId xmlns:a16="http://schemas.microsoft.com/office/drawing/2014/main" id="{D582FFFE-A63D-B53F-35A3-1E5F8C2722B4}"/>
+        <p:style>
+          <a:lnRef idx="2">
+            <a:schemeClr val="accent1"/>
+          </a:lnRef>
+          <a:fillRef idx="0">
+            <a:schemeClr val="accent1"/>
+          </a:fillRef>
+          <a:effectRef idx="1">
+            <a:schemeClr val="accent1"/>
+          </a:effectRef>
+          <a:fontRef idx="minor">
+            <a:schemeClr val="tx1"/>
+          </a:fontRef>
+        </p:style>
+      </p:cxnSp>
+      <p:sp>
+        <p:nvSpPr>
+          <p:cNvPr id="28" name="円/楕円 27">
+            <a:extLst>
+              <a:ext uri="{FF2B5EF4-FFF2-40B4-BE49-F238E27FC236}">
+                <a16:creationId xmlns:a16="http://schemas.microsoft.com/office/drawing/2014/main" id="{CBD9BF56-4A0E-E071-BCC9-44B56F4507A2}"/>
               </a:ext>
             </a:extLst>
           </p:cNvPr>
@@ -4735,7 +4697,7 @@
         </p:nvSpPr>
         <p:spPr>
           <a:xfrm>
-            <a:off x="6930368" y="2713947"/>
+            <a:off x="6746193" y="2977715"/>
             <a:ext cx="621323" cy="621323"/>
           </a:xfrm>
           <a:prstGeom prst="ellipse">
@@ -4778,155 +4740,26 @@
           </a:p>
         </p:txBody>
       </p:sp>
-      <p:sp>
-        <p:nvSpPr>
-          <p:cNvPr id="24" name="テキスト ボックス 23">
-            <a:extLst>
-              <a:ext uri="{FF2B5EF4-FFF2-40B4-BE49-F238E27FC236}">
-                <a16:creationId xmlns:a16="http://schemas.microsoft.com/office/drawing/2014/main" id="{389E2215-32EB-A8A4-6A15-4CF00FEBFD45}"/>
-              </a:ext>
-            </a:extLst>
-          </p:cNvPr>
-          <p:cNvSpPr txBox="1"/>
-          <p:nvPr/>
-        </p:nvSpPr>
-        <p:spPr>
-          <a:xfrm>
-            <a:off x="6707068" y="2344615"/>
-            <a:ext cx="1067921" cy="369332"/>
-          </a:xfrm>
-          <a:prstGeom prst="rect">
-            <a:avLst/>
-          </a:prstGeom>
-          <a:noFill/>
-        </p:spPr>
-        <p:txBody>
-          <a:bodyPr wrap="none" rtlCol="0">
-            <a:spAutoFit/>
-          </a:bodyPr>
-          <a:lstStyle/>
-          <a:p>
-            <a:r>
-              <a:rPr kumimoji="1" lang="en-US" altLang="ja-JP" dirty="0" err="1"/>
-              <a:t>branchA</a:t>
-            </a:r>
-            <a:endParaRPr kumimoji="1" lang="ja-JP" altLang="en-US"/>
-          </a:p>
-        </p:txBody>
-      </p:sp>
-      <p:sp>
-        <p:nvSpPr>
-          <p:cNvPr id="25" name="円/楕円 24">
-            <a:extLst>
-              <a:ext uri="{FF2B5EF4-FFF2-40B4-BE49-F238E27FC236}">
-                <a16:creationId xmlns:a16="http://schemas.microsoft.com/office/drawing/2014/main" id="{EB02A2C2-D8E8-7AAD-644E-09D434749C83}"/>
-              </a:ext>
-            </a:extLst>
-          </p:cNvPr>
-          <p:cNvSpPr>
-            <a:spLocks noChangeAspect="1"/>
-          </p:cNvSpPr>
-          <p:nvPr/>
-        </p:nvSpPr>
-        <p:spPr>
-          <a:xfrm>
-            <a:off x="7998289" y="3722133"/>
-            <a:ext cx="621323" cy="621323"/>
-          </a:xfrm>
-          <a:prstGeom prst="ellipse">
-            <a:avLst/>
-          </a:prstGeom>
-          <a:solidFill>
-            <a:schemeClr val="accent6">
-              <a:lumMod val="40000"/>
-              <a:lumOff val="60000"/>
-            </a:schemeClr>
-          </a:solidFill>
-          <a:ln>
-            <a:solidFill>
-              <a:schemeClr val="tx1"/>
-            </a:solidFill>
-          </a:ln>
-        </p:spPr>
-        <p:style>
-          <a:lnRef idx="2">
-            <a:schemeClr val="accent1">
-              <a:shade val="15000"/>
-            </a:schemeClr>
-          </a:lnRef>
-          <a:fillRef idx="1">
-            <a:schemeClr val="accent1"/>
-          </a:fillRef>
-          <a:effectRef idx="0">
-            <a:schemeClr val="accent1"/>
-          </a:effectRef>
-          <a:fontRef idx="minor">
-            <a:schemeClr val="lt1"/>
-          </a:fontRef>
-        </p:style>
-        <p:txBody>
-          <a:bodyPr rtlCol="0" anchor="ctr"/>
-          <a:lstStyle/>
-          <a:p>
-            <a:pPr algn="ctr"/>
-            <a:endParaRPr kumimoji="1" lang="ja-JP" altLang="en-US"/>
-          </a:p>
-        </p:txBody>
-      </p:sp>
-      <p:sp>
-        <p:nvSpPr>
-          <p:cNvPr id="26" name="テキスト ボックス 25">
-            <a:extLst>
-              <a:ext uri="{FF2B5EF4-FFF2-40B4-BE49-F238E27FC236}">
-                <a16:creationId xmlns:a16="http://schemas.microsoft.com/office/drawing/2014/main" id="{2F6DAF4D-1756-9CBC-9945-86DC4D5FE67C}"/>
-              </a:ext>
-            </a:extLst>
-          </p:cNvPr>
-          <p:cNvSpPr txBox="1"/>
-          <p:nvPr/>
-        </p:nvSpPr>
-        <p:spPr>
-          <a:xfrm>
-            <a:off x="7774989" y="3352801"/>
-            <a:ext cx="1075936" cy="369332"/>
-          </a:xfrm>
-          <a:prstGeom prst="rect">
-            <a:avLst/>
-          </a:prstGeom>
-          <a:noFill/>
-        </p:spPr>
-        <p:txBody>
-          <a:bodyPr wrap="none" rtlCol="0">
-            <a:spAutoFit/>
-          </a:bodyPr>
-          <a:lstStyle/>
-          <a:p>
-            <a:r>
-              <a:rPr kumimoji="1" lang="en-US" altLang="ja-JP" dirty="0" err="1"/>
-              <a:t>branchB</a:t>
-            </a:r>
-            <a:endParaRPr kumimoji="1" lang="ja-JP" altLang="en-US"/>
-          </a:p>
-        </p:txBody>
-      </p:sp>
       <p:cxnSp>
         <p:nvCxnSpPr>
-          <p:cNvPr id="27" name="直線矢印コネクタ 26">
-            <a:extLst>
-              <a:ext uri="{FF2B5EF4-FFF2-40B4-BE49-F238E27FC236}">
-                <a16:creationId xmlns:a16="http://schemas.microsoft.com/office/drawing/2014/main" id="{2E96C0EC-F7A0-3A3C-7A74-53502122F77B}"/>
+          <p:cNvPr id="32" name="直線矢印コネクタ 31">
+            <a:extLst>
+              <a:ext uri="{FF2B5EF4-FFF2-40B4-BE49-F238E27FC236}">
+                <a16:creationId xmlns:a16="http://schemas.microsoft.com/office/drawing/2014/main" id="{C0650A58-FAE7-1979-BAA9-4E050876958C}"/>
               </a:ext>
             </a:extLst>
           </p:cNvPr>
           <p:cNvCxnSpPr>
             <a:cxnSpLocks/>
+            <a:stCxn id="23" idx="6"/>
+            <a:endCxn id="28" idx="2"/>
           </p:cNvCxnSpPr>
           <p:nvPr/>
         </p:nvCxnSpPr>
         <p:spPr>
-          <a:xfrm>
-            <a:off x="7022123" y="4056185"/>
-            <a:ext cx="987327" cy="0"/>
+          <a:xfrm flipV="1">
+            <a:off x="3518953" y="3288377"/>
+            <a:ext cx="3227240" cy="5862"/>
           </a:xfrm>
           <a:prstGeom prst="straightConnector1">
             <a:avLst/>
@@ -4955,22 +4788,23 @@
       </p:cxnSp>
       <p:cxnSp>
         <p:nvCxnSpPr>
-          <p:cNvPr id="29" name="直線矢印コネクタ 28">
-            <a:extLst>
-              <a:ext uri="{FF2B5EF4-FFF2-40B4-BE49-F238E27FC236}">
-                <a16:creationId xmlns:a16="http://schemas.microsoft.com/office/drawing/2014/main" id="{ECBBE9D7-DCD1-E06C-F898-7878D706BCA8}"/>
+          <p:cNvPr id="36" name="直線矢印コネクタ 35">
+            <a:extLst>
+              <a:ext uri="{FF2B5EF4-FFF2-40B4-BE49-F238E27FC236}">
+                <a16:creationId xmlns:a16="http://schemas.microsoft.com/office/drawing/2014/main" id="{C00DF95D-338A-1339-19BE-BC71EFEAA9A6}"/>
               </a:ext>
             </a:extLst>
           </p:cNvPr>
           <p:cNvCxnSpPr>
             <a:cxnSpLocks/>
+            <a:endCxn id="28" idx="0"/>
           </p:cNvCxnSpPr>
           <p:nvPr/>
         </p:nvCxnSpPr>
         <p:spPr>
           <a:xfrm>
-            <a:off x="6520061" y="3065530"/>
-            <a:ext cx="410307" cy="0"/>
+            <a:off x="5758949" y="2294847"/>
+            <a:ext cx="1297906" cy="682868"/>
           </a:xfrm>
           <a:prstGeom prst="straightConnector1">
             <a:avLst/>
@@ -4997,106 +4831,6 @@
           </a:fontRef>
         </p:style>
       </p:cxnSp>
-      <p:cxnSp>
-        <p:nvCxnSpPr>
-          <p:cNvPr id="30" name="直線コネクタ 29">
-            <a:extLst>
-              <a:ext uri="{FF2B5EF4-FFF2-40B4-BE49-F238E27FC236}">
-                <a16:creationId xmlns:a16="http://schemas.microsoft.com/office/drawing/2014/main" id="{07E515EB-55A8-00E9-08BB-6BE4C19E6E50}"/>
-              </a:ext>
-            </a:extLst>
-          </p:cNvPr>
-          <p:cNvCxnSpPr>
-            <a:cxnSpLocks/>
-          </p:cNvCxnSpPr>
-          <p:nvPr/>
-        </p:nvCxnSpPr>
-        <p:spPr>
-          <a:xfrm>
-            <a:off x="6161946" y="2344615"/>
-            <a:ext cx="860177" cy="1723349"/>
-          </a:xfrm>
-          <a:prstGeom prst="line">
-            <a:avLst/>
-          </a:prstGeom>
-          <a:ln>
-            <a:solidFill>
-              <a:schemeClr val="tx1"/>
-            </a:solidFill>
-          </a:ln>
-        </p:spPr>
-        <p:style>
-          <a:lnRef idx="2">
-            <a:schemeClr val="accent1"/>
-          </a:lnRef>
-          <a:fillRef idx="0">
-            <a:schemeClr val="accent1"/>
-          </a:fillRef>
-          <a:effectRef idx="1">
-            <a:schemeClr val="accent1"/>
-          </a:effectRef>
-          <a:fontRef idx="minor">
-            <a:schemeClr val="tx1"/>
-          </a:fontRef>
-        </p:style>
-      </p:cxnSp>
-      <p:sp>
-        <p:nvSpPr>
-          <p:cNvPr id="31" name="テキスト ボックス 30">
-            <a:extLst>
-              <a:ext uri="{FF2B5EF4-FFF2-40B4-BE49-F238E27FC236}">
-                <a16:creationId xmlns:a16="http://schemas.microsoft.com/office/drawing/2014/main" id="{0492424C-19B6-B2B7-CABF-2C1C0E1B371C}"/>
-              </a:ext>
-            </a:extLst>
-          </p:cNvPr>
-          <p:cNvSpPr txBox="1"/>
-          <p:nvPr/>
-        </p:nvSpPr>
-        <p:spPr>
-          <a:xfrm>
-            <a:off x="5860682" y="4513386"/>
-            <a:ext cx="2760692" cy="923330"/>
-          </a:xfrm>
-          <a:prstGeom prst="rect">
-            <a:avLst/>
-          </a:prstGeom>
-          <a:noFill/>
-        </p:spPr>
-        <p:txBody>
-          <a:bodyPr wrap="none" rtlCol="0">
-            <a:spAutoFit/>
-          </a:bodyPr>
-          <a:lstStyle/>
-          <a:p>
-            <a:r>
-              <a:rPr kumimoji="1" lang="en-US" altLang="ja-JP" dirty="0"/>
-              <a:t>git checkout </a:t>
-            </a:r>
-            <a:r>
-              <a:rPr kumimoji="1" lang="en-US" altLang="ja-JP" dirty="0" err="1"/>
-              <a:t>branchA</a:t>
-            </a:r>
-            <a:endParaRPr lang="en-US" altLang="ja-JP" dirty="0"/>
-          </a:p>
-          <a:p>
-            <a:r>
-              <a:rPr kumimoji="1" lang="en-US" altLang="ja-JP" dirty="0"/>
-              <a:t>git checkout main</a:t>
-            </a:r>
-          </a:p>
-          <a:p>
-            <a:r>
-              <a:rPr kumimoji="1" lang="en-US" altLang="ja-JP" dirty="0"/>
-              <a:t>git checkout –b </a:t>
-            </a:r>
-            <a:r>
-              <a:rPr kumimoji="1" lang="en-US" altLang="ja-JP" dirty="0" err="1"/>
-              <a:t>branchB</a:t>
-            </a:r>
-            <a:endParaRPr kumimoji="1" lang="en-US" altLang="ja-JP" dirty="0"/>
-          </a:p>
-        </p:txBody>
-      </p:sp>
     </p:spTree>
     <p:extLst>
       <p:ext uri="{BB962C8B-B14F-4D97-AF65-F5344CB8AC3E}">
